--- a/IoT Weather station.pptx
+++ b/IoT Weather station.pptx
@@ -205,7 +205,7 @@
           <a:p>
             <a:fld id="{4E1642AA-89CA-4EB9-89BE-DE970AC2F247}" type="datetimeFigureOut">
               <a:rPr lang="en-US" smtClean="0"/>
-              <a:t>12/1/2019</a:t>
+              <a:t>12/3/2019</a:t>
             </a:fld>
             <a:endParaRPr lang="en-US"/>
           </a:p>
@@ -861,7 +861,7 @@
           <a:p>
             <a:fld id="{C18D720F-52C9-4F4A-97BB-8F81EF1DBF61}" type="datetimeFigureOut">
               <a:rPr lang="en-US" smtClean="0"/>
-              <a:t>12/1/2019</a:t>
+              <a:t>12/3/2019</a:t>
             </a:fld>
             <a:endParaRPr lang="en-US"/>
           </a:p>
@@ -1173,7 +1173,7 @@
           <a:p>
             <a:fld id="{C18D720F-52C9-4F4A-97BB-8F81EF1DBF61}" type="datetimeFigureOut">
               <a:rPr lang="en-US" smtClean="0"/>
-              <a:t>12/1/2019</a:t>
+              <a:t>12/3/2019</a:t>
             </a:fld>
             <a:endParaRPr lang="en-US"/>
           </a:p>
@@ -1395,7 +1395,7 @@
           <a:p>
             <a:fld id="{C18D720F-52C9-4F4A-97BB-8F81EF1DBF61}" type="datetimeFigureOut">
               <a:rPr lang="en-US" smtClean="0"/>
-              <a:t>12/1/2019</a:t>
+              <a:t>12/3/2019</a:t>
             </a:fld>
             <a:endParaRPr lang="en-US"/>
           </a:p>
@@ -1686,7 +1686,7 @@
           <a:p>
             <a:fld id="{C18D720F-52C9-4F4A-97BB-8F81EF1DBF61}" type="datetimeFigureOut">
               <a:rPr lang="en-US" smtClean="0"/>
-              <a:t>12/1/2019</a:t>
+              <a:t>12/3/2019</a:t>
             </a:fld>
             <a:endParaRPr lang="en-US"/>
           </a:p>
@@ -2140,7 +2140,7 @@
           <a:p>
             <a:fld id="{C18D720F-52C9-4F4A-97BB-8F81EF1DBF61}" type="datetimeFigureOut">
               <a:rPr lang="en-US" smtClean="0"/>
-              <a:t>12/1/2019</a:t>
+              <a:t>12/3/2019</a:t>
             </a:fld>
             <a:endParaRPr lang="en-US"/>
           </a:p>
@@ -2716,7 +2716,7 @@
           <a:p>
             <a:fld id="{C18D720F-52C9-4F4A-97BB-8F81EF1DBF61}" type="datetimeFigureOut">
               <a:rPr lang="en-US" smtClean="0"/>
-              <a:t>12/1/2019</a:t>
+              <a:t>12/3/2019</a:t>
             </a:fld>
             <a:endParaRPr lang="en-US"/>
           </a:p>
@@ -3568,7 +3568,7 @@
           <a:p>
             <a:fld id="{C18D720F-52C9-4F4A-97BB-8F81EF1DBF61}" type="datetimeFigureOut">
               <a:rPr lang="en-US" smtClean="0"/>
-              <a:t>12/1/2019</a:t>
+              <a:t>12/3/2019</a:t>
             </a:fld>
             <a:endParaRPr lang="en-US"/>
           </a:p>
@@ -3773,7 +3773,7 @@
           <a:p>
             <a:fld id="{C18D720F-52C9-4F4A-97BB-8F81EF1DBF61}" type="datetimeFigureOut">
               <a:rPr lang="en-US" smtClean="0"/>
-              <a:t>12/1/2019</a:t>
+              <a:t>12/3/2019</a:t>
             </a:fld>
             <a:endParaRPr lang="en-US"/>
           </a:p>
@@ -3987,7 +3987,7 @@
           <a:p>
             <a:fld id="{C18D720F-52C9-4F4A-97BB-8F81EF1DBF61}" type="datetimeFigureOut">
               <a:rPr lang="en-US" smtClean="0"/>
-              <a:t>12/1/2019</a:t>
+              <a:t>12/3/2019</a:t>
             </a:fld>
             <a:endParaRPr lang="en-US"/>
           </a:p>
@@ -4192,7 +4192,7 @@
           <a:p>
             <a:fld id="{C18D720F-52C9-4F4A-97BB-8F81EF1DBF61}" type="datetimeFigureOut">
               <a:rPr lang="en-US" smtClean="0"/>
-              <a:t>12/1/2019</a:t>
+              <a:t>12/3/2019</a:t>
             </a:fld>
             <a:endParaRPr lang="en-US"/>
           </a:p>
@@ -4472,7 +4472,7 @@
           <a:p>
             <a:fld id="{C18D720F-52C9-4F4A-97BB-8F81EF1DBF61}" type="datetimeFigureOut">
               <a:rPr lang="en-US" smtClean="0"/>
-              <a:t>12/1/2019</a:t>
+              <a:t>12/3/2019</a:t>
             </a:fld>
             <a:endParaRPr lang="en-US"/>
           </a:p>
@@ -4739,7 +4739,7 @@
           <a:p>
             <a:fld id="{C18D720F-52C9-4F4A-97BB-8F81EF1DBF61}" type="datetimeFigureOut">
               <a:rPr lang="en-US" smtClean="0"/>
-              <a:t>12/1/2019</a:t>
+              <a:t>12/3/2019</a:t>
             </a:fld>
             <a:endParaRPr lang="en-US"/>
           </a:p>
@@ -5154,7 +5154,7 @@
           <a:p>
             <a:fld id="{C18D720F-52C9-4F4A-97BB-8F81EF1DBF61}" type="datetimeFigureOut">
               <a:rPr lang="en-US" smtClean="0"/>
-              <a:t>12/1/2019</a:t>
+              <a:t>12/3/2019</a:t>
             </a:fld>
             <a:endParaRPr lang="en-US"/>
           </a:p>
@@ -5302,7 +5302,7 @@
           <a:p>
             <a:fld id="{C18D720F-52C9-4F4A-97BB-8F81EF1DBF61}" type="datetimeFigureOut">
               <a:rPr lang="en-US" smtClean="0"/>
-              <a:t>12/1/2019</a:t>
+              <a:t>12/3/2019</a:t>
             </a:fld>
             <a:endParaRPr lang="en-US"/>
           </a:p>
@@ -5427,7 +5427,7 @@
           <a:p>
             <a:fld id="{C18D720F-52C9-4F4A-97BB-8F81EF1DBF61}" type="datetimeFigureOut">
               <a:rPr lang="en-US" smtClean="0"/>
-              <a:t>12/1/2019</a:t>
+              <a:t>12/3/2019</a:t>
             </a:fld>
             <a:endParaRPr lang="en-US"/>
           </a:p>
@@ -5706,7 +5706,7 @@
           <a:p>
             <a:fld id="{C18D720F-52C9-4F4A-97BB-8F81EF1DBF61}" type="datetimeFigureOut">
               <a:rPr lang="en-US" smtClean="0"/>
-              <a:t>12/1/2019</a:t>
+              <a:t>12/3/2019</a:t>
             </a:fld>
             <a:endParaRPr lang="en-US"/>
           </a:p>
@@ -6018,7 +6018,7 @@
           <a:p>
             <a:fld id="{C18D720F-52C9-4F4A-97BB-8F81EF1DBF61}" type="datetimeFigureOut">
               <a:rPr lang="en-US" smtClean="0"/>
-              <a:t>12/1/2019</a:t>
+              <a:t>12/3/2019</a:t>
             </a:fld>
             <a:endParaRPr lang="en-US"/>
           </a:p>
@@ -6271,7 +6271,7 @@
           <a:p>
             <a:fld id="{C18D720F-52C9-4F4A-97BB-8F81EF1DBF61}" type="datetimeFigureOut">
               <a:rPr lang="en-US" smtClean="0"/>
-              <a:t>12/1/2019</a:t>
+              <a:t>12/3/2019</a:t>
             </a:fld>
             <a:endParaRPr lang="en-US"/>
           </a:p>
@@ -7248,7 +7248,7 @@
             <a:pPr algn="l"/>
             <a:r>
               <a:rPr lang="en-US" dirty="0"/>
-              <a:t>Experimental expansion</a:t>
+              <a:t>Experimental exploration expansion</a:t>
             </a:r>
           </a:p>
         </p:txBody>

--- a/IoT Weather station.pptx
+++ b/IoT Weather station.pptx
@@ -5,7 +5,7 @@
     <p:sldMasterId id="2147483660" r:id="rId1"/>
   </p:sldMasterIdLst>
   <p:notesMasterIdLst>
-    <p:notesMasterId r:id="rId11"/>
+    <p:notesMasterId r:id="rId12"/>
   </p:notesMasterIdLst>
   <p:sldIdLst>
     <p:sldId id="256" r:id="rId2"/>
@@ -13,13 +13,14 @@
     <p:sldId id="258" r:id="rId4"/>
     <p:sldId id="259" r:id="rId5"/>
     <p:sldId id="260" r:id="rId6"/>
-    <p:sldId id="262" r:id="rId7"/>
-    <p:sldId id="261" r:id="rId8"/>
-    <p:sldId id="263" r:id="rId9"/>
-    <p:sldId id="264" r:id="rId10"/>
+    <p:sldId id="265" r:id="rId7"/>
+    <p:sldId id="262" r:id="rId8"/>
+    <p:sldId id="261" r:id="rId9"/>
+    <p:sldId id="263" r:id="rId10"/>
+    <p:sldId id="264" r:id="rId11"/>
   </p:sldIdLst>
   <p:sldSz cx="12192000" cy="6858000"/>
-  <p:notesSz cx="6858000" cy="9144000"/>
+  <p:notesSz cx="7104063" cy="10234613"/>
   <p:defaultTextStyle>
     <a:defPPr>
       <a:defRPr lang="en-US"/>
@@ -158,17 +159,17 @@
         <p:spPr>
           <a:xfrm>
             <a:off x="0" y="0"/>
-            <a:ext cx="2971800" cy="458788"/>
+            <a:ext cx="3078427" cy="513508"/>
           </a:xfrm>
           <a:prstGeom prst="rect">
             <a:avLst/>
           </a:prstGeom>
         </p:spPr>
         <p:txBody>
-          <a:bodyPr vert="horz" lIns="91440" tIns="45720" rIns="91440" bIns="45720" rtlCol="0"/>
+          <a:bodyPr vert="horz" lIns="99048" tIns="49524" rIns="99048" bIns="49524" rtlCol="0"/>
           <a:lstStyle>
             <a:lvl1pPr algn="l">
-              <a:defRPr sz="1200"/>
+              <a:defRPr sz="1300"/>
             </a:lvl1pPr>
           </a:lstStyle>
           <a:p>
@@ -188,18 +189,18 @@
         </p:nvSpPr>
         <p:spPr>
           <a:xfrm>
-            <a:off x="3884613" y="0"/>
-            <a:ext cx="2971800" cy="458788"/>
+            <a:off x="4023992" y="0"/>
+            <a:ext cx="3078427" cy="513508"/>
           </a:xfrm>
           <a:prstGeom prst="rect">
             <a:avLst/>
           </a:prstGeom>
         </p:spPr>
         <p:txBody>
-          <a:bodyPr vert="horz" lIns="91440" tIns="45720" rIns="91440" bIns="45720" rtlCol="0"/>
+          <a:bodyPr vert="horz" lIns="99048" tIns="49524" rIns="99048" bIns="49524" rtlCol="0"/>
           <a:lstStyle>
             <a:lvl1pPr algn="r">
-              <a:defRPr sz="1200"/>
+              <a:defRPr sz="1300"/>
             </a:lvl1pPr>
           </a:lstStyle>
           <a:p>
@@ -223,8 +224,8 @@
         </p:nvSpPr>
         <p:spPr>
           <a:xfrm>
-            <a:off x="685800" y="1143000"/>
-            <a:ext cx="5486400" cy="3086100"/>
+            <a:off x="481013" y="1279525"/>
+            <a:ext cx="6142037" cy="3454400"/>
           </a:xfrm>
           <a:prstGeom prst="rect">
             <a:avLst/>
@@ -237,7 +238,7 @@
           </a:ln>
         </p:spPr>
         <p:txBody>
-          <a:bodyPr vert="horz" lIns="91440" tIns="45720" rIns="91440" bIns="45720" rtlCol="0" anchor="ctr"/>
+          <a:bodyPr vert="horz" lIns="99048" tIns="49524" rIns="99048" bIns="49524" rtlCol="0" anchor="ctr"/>
           <a:lstStyle/>
           <a:p>
             <a:endParaRPr lang="en-US"/>
@@ -256,15 +257,15 @@
         </p:nvSpPr>
         <p:spPr>
           <a:xfrm>
-            <a:off x="685800" y="4400550"/>
-            <a:ext cx="5486400" cy="3600450"/>
+            <a:off x="710407" y="4925408"/>
+            <a:ext cx="5683250" cy="4029879"/>
           </a:xfrm>
           <a:prstGeom prst="rect">
             <a:avLst/>
           </a:prstGeom>
         </p:spPr>
         <p:txBody>
-          <a:bodyPr vert="horz" lIns="91440" tIns="45720" rIns="91440" bIns="45720" rtlCol="0"/>
+          <a:bodyPr vert="horz" lIns="99048" tIns="49524" rIns="99048" bIns="49524" rtlCol="0"/>
           <a:lstStyle/>
           <a:p>
             <a:pPr lvl="0"/>
@@ -315,18 +316,18 @@
         </p:nvSpPr>
         <p:spPr>
           <a:xfrm>
-            <a:off x="0" y="8685213"/>
-            <a:ext cx="2971800" cy="458787"/>
+            <a:off x="0" y="9721108"/>
+            <a:ext cx="3078427" cy="513507"/>
           </a:xfrm>
           <a:prstGeom prst="rect">
             <a:avLst/>
           </a:prstGeom>
         </p:spPr>
         <p:txBody>
-          <a:bodyPr vert="horz" lIns="91440" tIns="45720" rIns="91440" bIns="45720" rtlCol="0" anchor="b"/>
+          <a:bodyPr vert="horz" lIns="99048" tIns="49524" rIns="99048" bIns="49524" rtlCol="0" anchor="b"/>
           <a:lstStyle>
             <a:lvl1pPr algn="l">
-              <a:defRPr sz="1200"/>
+              <a:defRPr sz="1300"/>
             </a:lvl1pPr>
           </a:lstStyle>
           <a:p>
@@ -346,18 +347,18 @@
         </p:nvSpPr>
         <p:spPr>
           <a:xfrm>
-            <a:off x="3884613" y="8685213"/>
-            <a:ext cx="2971800" cy="458787"/>
+            <a:off x="4023992" y="9721108"/>
+            <a:ext cx="3078427" cy="513507"/>
           </a:xfrm>
           <a:prstGeom prst="rect">
             <a:avLst/>
           </a:prstGeom>
         </p:spPr>
         <p:txBody>
-          <a:bodyPr vert="horz" lIns="91440" tIns="45720" rIns="91440" bIns="45720" rtlCol="0" anchor="b"/>
+          <a:bodyPr vert="horz" lIns="99048" tIns="49524" rIns="99048" bIns="49524" rtlCol="0" anchor="b"/>
           <a:lstStyle>
             <a:lvl1pPr algn="r">
-              <a:defRPr sz="1200"/>
+              <a:defRPr sz="1300"/>
             </a:lvl1pPr>
           </a:lstStyle>
           <a:p>
@@ -606,7 +607,7 @@
             </a:r>
           </a:p>
           <a:p>
-            <a:pPr marL="171450" indent="-171450">
+            <a:pPr marL="185715" indent="-185715">
               <a:buFont typeface="Arial" panose="020B0604020202020204" pitchFamily="34" charset="0"/>
               <a:buChar char="•"/>
             </a:pPr>
@@ -616,7 +617,7 @@
             </a:r>
           </a:p>
           <a:p>
-            <a:pPr marL="171450" indent="-171450">
+            <a:pPr marL="185715" indent="-185715">
               <a:buFont typeface="Arial" panose="020B0604020202020204" pitchFamily="34" charset="0"/>
               <a:buChar char="•"/>
             </a:pPr>
@@ -626,7 +627,7 @@
             </a:r>
           </a:p>
           <a:p>
-            <a:pPr marL="628650" lvl="1" indent="-171450">
+            <a:pPr marL="680954" lvl="1" indent="-185715">
               <a:buFont typeface="Arial" panose="020B0604020202020204" pitchFamily="34" charset="0"/>
               <a:buChar char="•"/>
             </a:pPr>
@@ -636,7 +637,7 @@
             </a:r>
           </a:p>
           <a:p>
-            <a:pPr marL="171450" lvl="0" indent="-171450">
+            <a:pPr marL="185715" indent="-185715">
               <a:buFont typeface="Arial" panose="020B0604020202020204" pitchFamily="34" charset="0"/>
               <a:buChar char="•"/>
             </a:pPr>
@@ -646,7 +647,7 @@
             </a:r>
           </a:p>
           <a:p>
-            <a:pPr marL="171450" lvl="0" indent="-171450">
+            <a:pPr marL="185715" indent="-185715">
               <a:buFont typeface="Arial" panose="020B0604020202020204" pitchFamily="34" charset="0"/>
               <a:buChar char="•"/>
             </a:pPr>
@@ -671,7 +672,7 @@
           <a:p>
             <a:fld id="{9B93A3F4-073E-4B7B-95C2-7F7BCEBFFD3A}" type="slidenum">
               <a:rPr lang="en-US" smtClean="0"/>
-              <a:t>7</a:t>
+              <a:t>8</a:t>
             </a:fld>
             <a:endParaRPr lang="en-US"/>
           </a:p>
@@ -6772,11 +6773,28 @@
             <p:ph type="subTitle" idx="1"/>
           </p:nvPr>
         </p:nvSpPr>
-        <p:spPr/>
+        <p:spPr>
+          <a:xfrm>
+            <a:off x="451257" y="5323114"/>
+            <a:ext cx="8689976" cy="1371599"/>
+          </a:xfrm>
+        </p:spPr>
         <p:txBody>
           <a:bodyPr/>
           <a:lstStyle/>
           <a:p>
+            <a:pPr algn="l"/>
+            <a:r>
+              <a:rPr lang="da-DK" dirty="0"/>
+              <a:t>Rasmus Ølholm Nielsen</a:t>
+            </a:r>
+            <a:br>
+              <a:rPr lang="da-DK" dirty="0"/>
+            </a:br>
+            <a:r>
+              <a:rPr lang="da-DK" dirty="0"/>
+              <a:t>Karsten Winther Johansen</a:t>
+            </a:r>
             <a:endParaRPr lang="en-US" dirty="0"/>
           </a:p>
         </p:txBody>
@@ -6785,6 +6803,89 @@
     <p:extLst>
       <p:ext uri="{BB962C8B-B14F-4D97-AF65-F5344CB8AC3E}">
         <p14:creationId xmlns:p14="http://schemas.microsoft.com/office/powerpoint/2010/main" val="3000275177"/>
+      </p:ext>
+    </p:extLst>
+  </p:cSld>
+  <p:clrMapOvr>
+    <a:masterClrMapping/>
+  </p:clrMapOvr>
+</p:sld>
+</file>
+
+<file path=ppt/slides/slide10.xml><?xml version="1.0" encoding="utf-8"?>
+<p:sld xmlns:a="http://schemas.openxmlformats.org/drawingml/2006/main" xmlns:r="http://schemas.openxmlformats.org/officeDocument/2006/relationships" xmlns:p="http://schemas.openxmlformats.org/presentationml/2006/main">
+  <p:cSld>
+    <p:spTree>
+      <p:nvGrpSpPr>
+        <p:cNvPr id="1" name=""/>
+        <p:cNvGrpSpPr/>
+        <p:nvPr/>
+      </p:nvGrpSpPr>
+      <p:grpSpPr>
+        <a:xfrm>
+          <a:off x="0" y="0"/>
+          <a:ext cx="0" cy="0"/>
+          <a:chOff x="0" y="0"/>
+          <a:chExt cx="0" cy="0"/>
+        </a:xfrm>
+      </p:grpSpPr>
+      <p:sp>
+        <p:nvSpPr>
+          <p:cNvPr id="2" name="Title 1">
+            <a:extLst>
+              <a:ext uri="{FF2B5EF4-FFF2-40B4-BE49-F238E27FC236}">
+                <a16:creationId xmlns:a16="http://schemas.microsoft.com/office/drawing/2014/main" id="{8DD9A5AE-2309-4466-A757-976E24D836DA}"/>
+              </a:ext>
+            </a:extLst>
+          </p:cNvPr>
+          <p:cNvSpPr>
+            <a:spLocks noGrp="1"/>
+          </p:cNvSpPr>
+          <p:nvPr>
+            <p:ph type="title"/>
+          </p:nvPr>
+        </p:nvSpPr>
+        <p:spPr/>
+        <p:txBody>
+          <a:bodyPr/>
+          <a:lstStyle/>
+          <a:p>
+            <a:r>
+              <a:rPr lang="en-US" dirty="0"/>
+              <a:t>Questions?</a:t>
+            </a:r>
+          </a:p>
+        </p:txBody>
+      </p:sp>
+      <p:sp>
+        <p:nvSpPr>
+          <p:cNvPr id="3" name="Content Placeholder 2">
+            <a:extLst>
+              <a:ext uri="{FF2B5EF4-FFF2-40B4-BE49-F238E27FC236}">
+                <a16:creationId xmlns:a16="http://schemas.microsoft.com/office/drawing/2014/main" id="{971CF285-3C38-47EF-810F-95C188DE025A}"/>
+              </a:ext>
+            </a:extLst>
+          </p:cNvPr>
+          <p:cNvSpPr>
+            <a:spLocks noGrp="1"/>
+          </p:cNvSpPr>
+          <p:nvPr>
+            <p:ph sz="quarter" idx="13"/>
+          </p:nvPr>
+        </p:nvSpPr>
+        <p:spPr/>
+        <p:txBody>
+          <a:bodyPr/>
+          <a:lstStyle/>
+          <a:p>
+            <a:endParaRPr lang="en-US"/>
+          </a:p>
+        </p:txBody>
+      </p:sp>
+    </p:spTree>
+    <p:extLst>
+      <p:ext uri="{BB962C8B-B14F-4D97-AF65-F5344CB8AC3E}">
+        <p14:creationId xmlns:p14="http://schemas.microsoft.com/office/powerpoint/2010/main" val="4167481991"/>
       </p:ext>
     </p:extLst>
   </p:cSld>
@@ -7603,40 +7704,52 @@
           <a:chExt cx="0" cy="0"/>
         </a:xfrm>
       </p:grpSpPr>
-      <p:sp>
-        <p:nvSpPr>
-          <p:cNvPr id="2" name="Title 1">
+      <p:pic>
+        <p:nvPicPr>
+          <p:cNvPr id="5" name="Content Placeholder 4">
             <a:extLst>
               <a:ext uri="{FF2B5EF4-FFF2-40B4-BE49-F238E27FC236}">
-                <a16:creationId xmlns:a16="http://schemas.microsoft.com/office/drawing/2014/main" id="{07954B66-CB54-4B90-ADC5-A657F5A0AFBF}"/>
+                <a16:creationId xmlns:a16="http://schemas.microsoft.com/office/drawing/2014/main" id="{9F70505D-EB19-4C76-9153-365D1EE3ED62}"/>
               </a:ext>
             </a:extLst>
           </p:cNvPr>
-          <p:cNvSpPr>
-            <a:spLocks noGrp="1"/>
-          </p:cNvSpPr>
-          <p:nvPr>
-            <p:ph type="title"/>
-          </p:nvPr>
-        </p:nvSpPr>
-        <p:spPr/>
-        <p:txBody>
-          <a:bodyPr/>
-          <a:lstStyle/>
-          <a:p>
-            <a:r>
-              <a:rPr lang="en-US" dirty="0"/>
-              <a:t>Motivation of choosing MQTT</a:t>
-            </a:r>
-          </a:p>
-        </p:txBody>
-      </p:sp>
+          <p:cNvPicPr>
+            <a:picLocks noChangeAspect="1"/>
+          </p:cNvPicPr>
+          <p:nvPr/>
+        </p:nvPicPr>
+        <p:blipFill>
+          <a:blip r:embed="rId2">
+            <a:extLst>
+              <a:ext uri="{28A0092B-C50C-407E-A947-70E740481C1C}">
+                <a14:useLocalDpi xmlns:a14="http://schemas.microsoft.com/office/drawing/2010/main" val="0"/>
+              </a:ext>
+            </a:extLst>
+          </a:blip>
+          <a:srcRect/>
+          <a:stretch/>
+        </p:blipFill>
+        <p:spPr>
+          <a:xfrm>
+            <a:off x="5861958" y="640830"/>
+            <a:ext cx="5302339" cy="1771369"/>
+          </a:xfrm>
+          <a:prstGeom prst="rect">
+            <a:avLst/>
+          </a:prstGeom>
+          <a:ln w="38100">
+            <a:solidFill>
+              <a:schemeClr val="tx1"/>
+            </a:solidFill>
+          </a:ln>
+        </p:spPr>
+      </p:pic>
       <p:pic>
         <p:nvPicPr>
-          <p:cNvPr id="9" name="Content Placeholder 8" descr="A screenshot of a cell phone&#10;&#10;Description automatically generated">
+          <p:cNvPr id="4" name="Content Placeholder 3" descr="A screenshot of a social media post&#10;&#10;Description automatically generated">
             <a:extLst>
               <a:ext uri="{FF2B5EF4-FFF2-40B4-BE49-F238E27FC236}">
-                <a16:creationId xmlns:a16="http://schemas.microsoft.com/office/drawing/2014/main" id="{8A47BE8D-5783-442E-85DB-DE44F2BCE34A}"/>
+                <a16:creationId xmlns:a16="http://schemas.microsoft.com/office/drawing/2014/main" id="{64F3D781-0844-432E-9FF4-0AD7A53FD173}"/>
               </a:ext>
             </a:extLst>
           </p:cNvPr>
@@ -7648,7 +7761,7 @@
           </p:nvPr>
         </p:nvPicPr>
         <p:blipFill>
-          <a:blip r:embed="rId2">
+          <a:blip r:embed="rId3">
             <a:extLst>
               <a:ext uri="{28A0092B-C50C-407E-A947-70E740481C1C}">
                 <a14:useLocalDpi xmlns:a14="http://schemas.microsoft.com/office/drawing/2010/main" val="0"/>
@@ -7661,15 +7774,97 @@
         </p:blipFill>
         <p:spPr>
           <a:xfrm>
-            <a:off x="4550646" y="2366963"/>
-            <a:ext cx="3090707" cy="3424237"/>
-          </a:xfrm>
+            <a:off x="2011900" y="2601363"/>
+            <a:ext cx="5284778" cy="1655273"/>
+          </a:xfrm>
+          <a:ln w="38100">
+            <a:solidFill>
+              <a:schemeClr val="tx1"/>
+            </a:solidFill>
+          </a:ln>
+        </p:spPr>
+      </p:pic>
+      <p:sp>
+        <p:nvSpPr>
+          <p:cNvPr id="2" name="Title 1">
+            <a:extLst>
+              <a:ext uri="{FF2B5EF4-FFF2-40B4-BE49-F238E27FC236}">
+                <a16:creationId xmlns:a16="http://schemas.microsoft.com/office/drawing/2014/main" id="{364117F0-C984-4D33-BD2F-725781218F38}"/>
+              </a:ext>
+            </a:extLst>
+          </p:cNvPr>
+          <p:cNvSpPr>
+            <a:spLocks noGrp="1"/>
+          </p:cNvSpPr>
+          <p:nvPr>
+            <p:ph type="title"/>
+          </p:nvPr>
+        </p:nvSpPr>
+        <p:spPr>
+          <a:xfrm>
+            <a:off x="913774" y="640831"/>
+            <a:ext cx="3740515" cy="1573863"/>
+          </a:xfrm>
+        </p:spPr>
+        <p:txBody>
+          <a:bodyPr>
+            <a:normAutofit/>
+          </a:bodyPr>
+          <a:lstStyle/>
+          <a:p>
+            <a:pPr algn="l"/>
+            <a:r>
+              <a:rPr lang="en-US" dirty="0"/>
+              <a:t>Sequences in the system</a:t>
+            </a:r>
+          </a:p>
+        </p:txBody>
+      </p:sp>
+      <p:pic>
+        <p:nvPicPr>
+          <p:cNvPr id="7" name="Picture 6" descr="A screenshot of a social media post&#10;&#10;Description automatically generated">
+            <a:extLst>
+              <a:ext uri="{FF2B5EF4-FFF2-40B4-BE49-F238E27FC236}">
+                <a16:creationId xmlns:a16="http://schemas.microsoft.com/office/drawing/2014/main" id="{5554F412-BDFF-4844-98A1-F972FE94C7BD}"/>
+              </a:ext>
+            </a:extLst>
+          </p:cNvPr>
+          <p:cNvPicPr>
+            <a:picLocks noChangeAspect="1"/>
+          </p:cNvPicPr>
+          <p:nvPr/>
+        </p:nvPicPr>
+        <p:blipFill>
+          <a:blip r:embed="rId4">
+            <a:extLst>
+              <a:ext uri="{28A0092B-C50C-407E-A947-70E740481C1C}">
+                <a14:useLocalDpi xmlns:a14="http://schemas.microsoft.com/office/drawing/2010/main" val="0"/>
+              </a:ext>
+            </a:extLst>
+          </a:blip>
+          <a:stretch>
+            <a:fillRect/>
+          </a:stretch>
+        </p:blipFill>
+        <p:spPr>
+          <a:xfrm>
+            <a:off x="5861958" y="4485336"/>
+            <a:ext cx="5284777" cy="1771369"/>
+          </a:xfrm>
+          <a:prstGeom prst="rect">
+            <a:avLst/>
+          </a:prstGeom>
+          <a:ln w="38100">
+            <a:solidFill>
+              <a:schemeClr val="tx1"/>
+            </a:solidFill>
+          </a:ln>
         </p:spPr>
       </p:pic>
     </p:spTree>
     <p:extLst>
       <p:ext uri="{BB962C8B-B14F-4D97-AF65-F5344CB8AC3E}">
-        <p14:creationId xmlns:p14="http://schemas.microsoft.com/office/powerpoint/2010/main" val="2975708156"/>
+        <p14:creationId xmlns:p14="http://schemas.microsoft.com/office/powerpoint/2010/main" val="2399780060"/>
       </p:ext>
     </p:extLst>
   </p:cSld>
@@ -7701,7 +7896,7 @@
           <p:cNvPr id="2" name="Title 1">
             <a:extLst>
               <a:ext uri="{FF2B5EF4-FFF2-40B4-BE49-F238E27FC236}">
-                <a16:creationId xmlns:a16="http://schemas.microsoft.com/office/drawing/2014/main" id="{7F28FCB8-6EF6-4209-AE62-23761396B7CD}"/>
+                <a16:creationId xmlns:a16="http://schemas.microsoft.com/office/drawing/2014/main" id="{07954B66-CB54-4B90-ADC5-A657F5A0AFBF}"/>
               </a:ext>
             </a:extLst>
           </p:cNvPr>
@@ -7719,90 +7914,50 @@
           <a:p>
             <a:r>
               <a:rPr lang="en-US" dirty="0"/>
-              <a:t>Findings done in the explorative implementation</a:t>
-            </a:r>
-          </a:p>
-        </p:txBody>
-      </p:sp>
-      <p:sp>
-        <p:nvSpPr>
-          <p:cNvPr id="3" name="Content Placeholder 2">
+              <a:t>Motivation of choosing MQTT</a:t>
+            </a:r>
+          </a:p>
+        </p:txBody>
+      </p:sp>
+      <p:pic>
+        <p:nvPicPr>
+          <p:cNvPr id="9" name="Content Placeholder 8" descr="A screenshot of a cell phone&#10;&#10;Description automatically generated">
             <a:extLst>
               <a:ext uri="{FF2B5EF4-FFF2-40B4-BE49-F238E27FC236}">
-                <a16:creationId xmlns:a16="http://schemas.microsoft.com/office/drawing/2014/main" id="{1C928F54-0ABB-409E-B058-84B83D9761C4}"/>
+                <a16:creationId xmlns:a16="http://schemas.microsoft.com/office/drawing/2014/main" id="{8A47BE8D-5783-442E-85DB-DE44F2BCE34A}"/>
               </a:ext>
             </a:extLst>
           </p:cNvPr>
-          <p:cNvSpPr>
-            <a:spLocks noGrp="1"/>
-          </p:cNvSpPr>
+          <p:cNvPicPr>
+            <a:picLocks noGrp="1" noChangeAspect="1"/>
+          </p:cNvPicPr>
           <p:nvPr>
             <p:ph sz="quarter" idx="13"/>
           </p:nvPr>
-        </p:nvSpPr>
-        <p:spPr/>
-        <p:txBody>
-          <a:bodyPr/>
-          <a:lstStyle/>
-          <a:p>
-            <a:r>
-              <a:rPr lang="en-US" dirty="0"/>
-              <a:t>MQTT less overhead</a:t>
-            </a:r>
-          </a:p>
-          <a:p>
-            <a:r>
-              <a:rPr lang="en-US" dirty="0"/>
-              <a:t>MQTT offers encrypted connection</a:t>
-            </a:r>
-          </a:p>
-          <a:p>
-            <a:r>
-              <a:rPr lang="en-US" dirty="0"/>
-              <a:t>MQTT is suitable for communicating sensor data </a:t>
-            </a:r>
-          </a:p>
-          <a:p>
-            <a:r>
-              <a:rPr lang="en-US" dirty="0"/>
-              <a:t>MQTT 1:N communication</a:t>
-            </a:r>
-          </a:p>
-          <a:p>
-            <a:r>
-              <a:rPr lang="en-US" dirty="0"/>
-              <a:t>MQTT enables other devices to interact with system</a:t>
-            </a:r>
-          </a:p>
-          <a:p>
-            <a:r>
-              <a:rPr lang="en-US" dirty="0"/>
-              <a:t>REST to Device using </a:t>
-            </a:r>
-            <a:r>
-              <a:rPr lang="en-US" dirty="0" err="1"/>
-              <a:t>mqtt</a:t>
-            </a:r>
-            <a:r>
-              <a:rPr lang="en-US" dirty="0"/>
-              <a:t> enables other devices to interact with system</a:t>
-            </a:r>
-          </a:p>
-          <a:p>
-            <a:r>
-              <a:rPr lang="en-US" dirty="0"/>
-              <a:t>Separation of concerns is possible </a:t>
-            </a:r>
-          </a:p>
-          <a:p>
-            <a:endParaRPr lang="en-US" dirty="0"/>
-          </a:p>
-        </p:txBody>
-      </p:sp>
+        </p:nvPicPr>
+        <p:blipFill>
+          <a:blip r:embed="rId2">
+            <a:extLst>
+              <a:ext uri="{28A0092B-C50C-407E-A947-70E740481C1C}">
+                <a14:useLocalDpi xmlns:a14="http://schemas.microsoft.com/office/drawing/2010/main" val="0"/>
+              </a:ext>
+            </a:extLst>
+          </a:blip>
+          <a:stretch>
+            <a:fillRect/>
+          </a:stretch>
+        </p:blipFill>
+        <p:spPr>
+          <a:xfrm>
+            <a:off x="4550646" y="2366963"/>
+            <a:ext cx="3090707" cy="3424237"/>
+          </a:xfrm>
+        </p:spPr>
+      </p:pic>
     </p:spTree>
     <p:extLst>
       <p:ext uri="{BB962C8B-B14F-4D97-AF65-F5344CB8AC3E}">
-        <p14:creationId xmlns:p14="http://schemas.microsoft.com/office/powerpoint/2010/main" val="2969485669"/>
+        <p14:creationId xmlns:p14="http://schemas.microsoft.com/office/powerpoint/2010/main" val="2975708156"/>
       </p:ext>
     </p:extLst>
   </p:cSld>
@@ -7834,7 +7989,7 @@
           <p:cNvPr id="2" name="Title 1">
             <a:extLst>
               <a:ext uri="{FF2B5EF4-FFF2-40B4-BE49-F238E27FC236}">
-                <a16:creationId xmlns:a16="http://schemas.microsoft.com/office/drawing/2014/main" id="{D09B4476-9838-4B1B-BD3D-BAAAEAD0A8EE}"/>
+                <a16:creationId xmlns:a16="http://schemas.microsoft.com/office/drawing/2014/main" id="{7F28FCB8-6EF6-4209-AE62-23761396B7CD}"/>
               </a:ext>
             </a:extLst>
           </p:cNvPr>
@@ -7852,7 +8007,7 @@
           <a:p>
             <a:r>
               <a:rPr lang="en-US" dirty="0"/>
-              <a:t>DEMO</a:t>
+              <a:t>Findings done in the explorative implementation</a:t>
             </a:r>
           </a:p>
         </p:txBody>
@@ -7862,7 +8017,7 @@
           <p:cNvPr id="3" name="Content Placeholder 2">
             <a:extLst>
               <a:ext uri="{FF2B5EF4-FFF2-40B4-BE49-F238E27FC236}">
-                <a16:creationId xmlns:a16="http://schemas.microsoft.com/office/drawing/2014/main" id="{6627E390-0408-464D-B05F-3A7B69FD9E96}"/>
+                <a16:creationId xmlns:a16="http://schemas.microsoft.com/office/drawing/2014/main" id="{1C928F54-0ABB-409E-B058-84B83D9761C4}"/>
               </a:ext>
             </a:extLst>
           </p:cNvPr>
@@ -7878,9 +8033,56 @@
           <a:bodyPr/>
           <a:lstStyle/>
           <a:p>
-            <a:pPr marL="0" indent="0">
-              <a:buNone/>
-            </a:pPr>
+            <a:r>
+              <a:rPr lang="en-US" dirty="0"/>
+              <a:t>MQTT less overhead</a:t>
+            </a:r>
+          </a:p>
+          <a:p>
+            <a:r>
+              <a:rPr lang="en-US" dirty="0"/>
+              <a:t>MQTT offers encrypted connection</a:t>
+            </a:r>
+          </a:p>
+          <a:p>
+            <a:r>
+              <a:rPr lang="en-US" dirty="0"/>
+              <a:t>MQTT is suitable for communicating sensor data </a:t>
+            </a:r>
+          </a:p>
+          <a:p>
+            <a:r>
+              <a:rPr lang="en-US" dirty="0"/>
+              <a:t>MQTT 1:N communication</a:t>
+            </a:r>
+          </a:p>
+          <a:p>
+            <a:r>
+              <a:rPr lang="en-US" dirty="0"/>
+              <a:t>MQTT enables other devices to interact with system</a:t>
+            </a:r>
+          </a:p>
+          <a:p>
+            <a:r>
+              <a:rPr lang="en-US" dirty="0"/>
+              <a:t>REST to Device using </a:t>
+            </a:r>
+            <a:r>
+              <a:rPr lang="en-US" dirty="0" err="1"/>
+              <a:t>mqtt</a:t>
+            </a:r>
+            <a:r>
+              <a:rPr lang="en-US" dirty="0"/>
+              <a:t> enables other devices to interact with system</a:t>
+            </a:r>
+          </a:p>
+          <a:p>
+            <a:r>
+              <a:rPr lang="en-US" dirty="0"/>
+              <a:t>Separation of concerns is possible </a:t>
+            </a:r>
+          </a:p>
+          <a:p>
             <a:endParaRPr lang="en-US" dirty="0"/>
           </a:p>
         </p:txBody>
@@ -7888,7 +8090,7 @@
     </p:spTree>
     <p:extLst>
       <p:ext uri="{BB962C8B-B14F-4D97-AF65-F5344CB8AC3E}">
-        <p14:creationId xmlns:p14="http://schemas.microsoft.com/office/powerpoint/2010/main" val="75374685"/>
+        <p14:creationId xmlns:p14="http://schemas.microsoft.com/office/powerpoint/2010/main" val="2969485669"/>
       </p:ext>
     </p:extLst>
   </p:cSld>
@@ -7920,7 +8122,7 @@
           <p:cNvPr id="2" name="Title 1">
             <a:extLst>
               <a:ext uri="{FF2B5EF4-FFF2-40B4-BE49-F238E27FC236}">
-                <a16:creationId xmlns:a16="http://schemas.microsoft.com/office/drawing/2014/main" id="{8DD9A5AE-2309-4466-A757-976E24D836DA}"/>
+                <a16:creationId xmlns:a16="http://schemas.microsoft.com/office/drawing/2014/main" id="{D09B4476-9838-4B1B-BD3D-BAAAEAD0A8EE}"/>
               </a:ext>
             </a:extLst>
           </p:cNvPr>
@@ -7938,7 +8140,7 @@
           <a:p>
             <a:r>
               <a:rPr lang="en-US" dirty="0"/>
-              <a:t>Questions?</a:t>
+              <a:t>DEMO</a:t>
             </a:r>
           </a:p>
         </p:txBody>
@@ -7948,7 +8150,7 @@
           <p:cNvPr id="3" name="Content Placeholder 2">
             <a:extLst>
               <a:ext uri="{FF2B5EF4-FFF2-40B4-BE49-F238E27FC236}">
-                <a16:creationId xmlns:a16="http://schemas.microsoft.com/office/drawing/2014/main" id="{971CF285-3C38-47EF-810F-95C188DE025A}"/>
+                <a16:creationId xmlns:a16="http://schemas.microsoft.com/office/drawing/2014/main" id="{6627E390-0408-464D-B05F-3A7B69FD9E96}"/>
               </a:ext>
             </a:extLst>
           </p:cNvPr>
@@ -7964,14 +8166,17 @@
           <a:bodyPr/>
           <a:lstStyle/>
           <a:p>
-            <a:endParaRPr lang="en-US"/>
+            <a:pPr marL="0" indent="0">
+              <a:buNone/>
+            </a:pPr>
+            <a:endParaRPr lang="en-US" dirty="0"/>
           </a:p>
         </p:txBody>
       </p:sp>
     </p:spTree>
     <p:extLst>
       <p:ext uri="{BB962C8B-B14F-4D97-AF65-F5344CB8AC3E}">
-        <p14:creationId xmlns:p14="http://schemas.microsoft.com/office/powerpoint/2010/main" val="4167481991"/>
+        <p14:creationId xmlns:p14="http://schemas.microsoft.com/office/powerpoint/2010/main" val="75374685"/>
       </p:ext>
     </p:extLst>
   </p:cSld>
